--- a/presentations/weekly_meetings/2024_11_14.pptx
+++ b/presentations/weekly_meetings/2024_11_14.pptx
@@ -5,7 +5,7 @@
     <p:sldMasterId id="2147483648" r:id="rId1"/>
   </p:sldMasterIdLst>
   <p:notesMasterIdLst>
-    <p:notesMasterId r:id="rId11"/>
+    <p:notesMasterId r:id="rId12"/>
   </p:notesMasterIdLst>
   <p:sldIdLst>
     <p:sldId id="477" r:id="rId2"/>
@@ -17,6 +17,7 @@
     <p:sldId id="792" r:id="rId8"/>
     <p:sldId id="787" r:id="rId9"/>
     <p:sldId id="786" r:id="rId10"/>
+    <p:sldId id="796" r:id="rId11"/>
   </p:sldIdLst>
   <p:sldSz cx="12192000" cy="6858000"/>
   <p:notesSz cx="6858000" cy="9144000"/>
@@ -561,6 +562,142 @@
     <p:extLst>
       <p:ext uri="{BB962C8B-B14F-4D97-AF65-F5344CB8AC3E}">
         <p14:creationId xmlns:p14="http://schemas.microsoft.com/office/powerpoint/2010/main" val="2184427229"/>
+      </p:ext>
+    </p:extLst>
+  </p:cSld>
+  <p:clrMapOvr>
+    <a:masterClrMapping/>
+  </p:clrMapOvr>
+</p:notes>
+</file>
+
+<file path=ppt/notesSlides/notesSlide10.xml><?xml version="1.0" encoding="utf-8"?>
+<p:notes xmlns:a="http://schemas.openxmlformats.org/drawingml/2006/main" xmlns:r="http://schemas.openxmlformats.org/officeDocument/2006/relationships" xmlns:p="http://schemas.openxmlformats.org/presentationml/2006/main">
+  <p:cSld>
+    <p:spTree>
+      <p:nvGrpSpPr>
+        <p:cNvPr id="1" name="">
+          <a:extLst>
+            <a:ext uri="{FF2B5EF4-FFF2-40B4-BE49-F238E27FC236}">
+              <a16:creationId xmlns:a16="http://schemas.microsoft.com/office/drawing/2014/main" id="{3964C949-174B-9A83-DB91-FBE8E147664C}"/>
+            </a:ext>
+          </a:extLst>
+        </p:cNvPr>
+        <p:cNvGrpSpPr/>
+        <p:nvPr/>
+      </p:nvGrpSpPr>
+      <p:grpSpPr>
+        <a:xfrm>
+          <a:off x="0" y="0"/>
+          <a:ext cx="0" cy="0"/>
+          <a:chOff x="0" y="0"/>
+          <a:chExt cx="0" cy="0"/>
+        </a:xfrm>
+      </p:grpSpPr>
+      <p:sp>
+        <p:nvSpPr>
+          <p:cNvPr id="2" name="Slide Image Placeholder 1">
+            <a:extLst>
+              <a:ext uri="{FF2B5EF4-FFF2-40B4-BE49-F238E27FC236}">
+                <a16:creationId xmlns:a16="http://schemas.microsoft.com/office/drawing/2014/main" id="{BDE33A0F-22B7-C6CD-7A6A-E2B45C965C40}"/>
+              </a:ext>
+            </a:extLst>
+          </p:cNvPr>
+          <p:cNvSpPr>
+            <a:spLocks noGrp="1" noRot="1" noChangeAspect="1"/>
+          </p:cNvSpPr>
+          <p:nvPr>
+            <p:ph type="sldImg"/>
+          </p:nvPr>
+        </p:nvSpPr>
+        <p:spPr/>
+      </p:sp>
+      <p:sp>
+        <p:nvSpPr>
+          <p:cNvPr id="3" name="Notes Placeholder 2">
+            <a:extLst>
+              <a:ext uri="{FF2B5EF4-FFF2-40B4-BE49-F238E27FC236}">
+                <a16:creationId xmlns:a16="http://schemas.microsoft.com/office/drawing/2014/main" id="{92B2E483-7888-42BE-F4F2-4F287CDC4D36}"/>
+              </a:ext>
+            </a:extLst>
+          </p:cNvPr>
+          <p:cNvSpPr>
+            <a:spLocks noGrp="1"/>
+          </p:cNvSpPr>
+          <p:nvPr>
+            <p:ph type="body" idx="1"/>
+          </p:nvPr>
+        </p:nvSpPr>
+        <p:spPr/>
+        <p:txBody>
+          <a:bodyPr/>
+          <a:lstStyle/>
+          <a:p>
+            <a:pPr marL="0" marR="0" lvl="0" indent="0" algn="l" defTabSz="914400" rtl="0" eaLnBrk="1" fontAlgn="auto" latinLnBrk="0" hangingPunct="1">
+              <a:lnSpc>
+                <a:spcPct val="100000"/>
+              </a:lnSpc>
+              <a:spcBef>
+                <a:spcPts val="0"/>
+              </a:spcBef>
+              <a:spcAft>
+                <a:spcPts val="0"/>
+              </a:spcAft>
+              <a:buClrTx/>
+              <a:buSzTx/>
+              <a:buFont typeface="+mj-lt"/>
+              <a:buNone/>
+              <a:tabLst/>
+              <a:defRPr/>
+            </a:pPr>
+            <a:r>
+              <a:rPr lang="en-US" b="0" dirty="0"/>
+              <a:t>Thyroid comparison coming from all features, other 2 from top features do basically overlap (general just has a 13</a:t>
+            </a:r>
+            <a:r>
+              <a:rPr lang="en-US" b="0" baseline="30000" dirty="0"/>
+              <a:t>th</a:t>
+            </a:r>
+            <a:r>
+              <a:rPr lang="en-US" b="0" dirty="0"/>
+              <a:t> feature that skin doesn’t)</a:t>
+            </a:r>
+          </a:p>
+        </p:txBody>
+      </p:sp>
+      <p:sp>
+        <p:nvSpPr>
+          <p:cNvPr id="4" name="Slide Number Placeholder 3">
+            <a:extLst>
+              <a:ext uri="{FF2B5EF4-FFF2-40B4-BE49-F238E27FC236}">
+                <a16:creationId xmlns:a16="http://schemas.microsoft.com/office/drawing/2014/main" id="{6FC2FF9F-F569-DD9A-E341-1BE7E9A77B74}"/>
+              </a:ext>
+            </a:extLst>
+          </p:cNvPr>
+          <p:cNvSpPr>
+            <a:spLocks noGrp="1"/>
+          </p:cNvSpPr>
+          <p:nvPr>
+            <p:ph type="sldNum" sz="quarter" idx="5"/>
+          </p:nvPr>
+        </p:nvSpPr>
+        <p:spPr/>
+        <p:txBody>
+          <a:bodyPr/>
+          <a:lstStyle/>
+          <a:p>
+            <a:fld id="{061BAA8C-FDC6-D345-B4E0-3B02449209FB}" type="slidenum">
+              <a:rPr lang="en-US" smtClean="0"/>
+              <a:t>10</a:t>
+            </a:fld>
+            <a:endParaRPr lang="en-US"/>
+          </a:p>
+        </p:txBody>
+      </p:sp>
+    </p:spTree>
+    <p:extLst>
+      <p:ext uri="{BB962C8B-B14F-4D97-AF65-F5344CB8AC3E}">
+        <p14:creationId xmlns:p14="http://schemas.microsoft.com/office/powerpoint/2010/main" val="3185731143"/>
       </p:ext>
     </p:extLst>
   </p:cSld>
@@ -5253,6 +5390,108 @@
     <p:extLst>
       <p:ext uri="{BB962C8B-B14F-4D97-AF65-F5344CB8AC3E}">
         <p14:creationId xmlns:p14="http://schemas.microsoft.com/office/powerpoint/2010/main" val="2740840600"/>
+      </p:ext>
+    </p:extLst>
+  </p:cSld>
+  <p:clrMapOvr>
+    <a:masterClrMapping/>
+  </p:clrMapOvr>
+</p:sld>
+</file>
+
+<file path=ppt/slides/slide10.xml><?xml version="1.0" encoding="utf-8"?>
+<p:sld xmlns:a="http://schemas.openxmlformats.org/drawingml/2006/main" xmlns:r="http://schemas.openxmlformats.org/officeDocument/2006/relationships" xmlns:p="http://schemas.openxmlformats.org/presentationml/2006/main">
+  <p:cSld>
+    <p:spTree>
+      <p:nvGrpSpPr>
+        <p:cNvPr id="1" name="">
+          <a:extLst>
+            <a:ext uri="{FF2B5EF4-FFF2-40B4-BE49-F238E27FC236}">
+              <a16:creationId xmlns:a16="http://schemas.microsoft.com/office/drawing/2014/main" id="{A879E16A-B76C-2B8D-1D37-86ED6593C199}"/>
+            </a:ext>
+          </a:extLst>
+        </p:cNvPr>
+        <p:cNvGrpSpPr/>
+        <p:nvPr/>
+      </p:nvGrpSpPr>
+      <p:grpSpPr>
+        <a:xfrm>
+          <a:off x="0" y="0"/>
+          <a:ext cx="0" cy="0"/>
+          <a:chOff x="0" y="0"/>
+          <a:chExt cx="0" cy="0"/>
+        </a:xfrm>
+      </p:grpSpPr>
+      <p:pic>
+        <p:nvPicPr>
+          <p:cNvPr id="3" name="Picture 2">
+            <a:extLst>
+              <a:ext uri="{FF2B5EF4-FFF2-40B4-BE49-F238E27FC236}">
+                <a16:creationId xmlns:a16="http://schemas.microsoft.com/office/drawing/2014/main" id="{33A1EBB0-7CD6-59BD-D343-DC6AE5B433C8}"/>
+              </a:ext>
+            </a:extLst>
+          </p:cNvPr>
+          <p:cNvPicPr>
+            <a:picLocks noChangeAspect="1"/>
+          </p:cNvPicPr>
+          <p:nvPr/>
+        </p:nvPicPr>
+        <p:blipFill>
+          <a:blip r:embed="rId3"/>
+          <a:stretch>
+            <a:fillRect/>
+          </a:stretch>
+        </p:blipFill>
+        <p:spPr>
+          <a:xfrm>
+            <a:off x="1500673" y="1611508"/>
+            <a:ext cx="8660364" cy="5249438"/>
+          </a:xfrm>
+          <a:prstGeom prst="rect">
+            <a:avLst/>
+          </a:prstGeom>
+        </p:spPr>
+      </p:pic>
+      <p:sp>
+        <p:nvSpPr>
+          <p:cNvPr id="8" name="Title 7">
+            <a:extLst>
+              <a:ext uri="{FF2B5EF4-FFF2-40B4-BE49-F238E27FC236}">
+                <a16:creationId xmlns:a16="http://schemas.microsoft.com/office/drawing/2014/main" id="{E356CE81-9AC2-DF49-D955-15E841039A1D}"/>
+              </a:ext>
+            </a:extLst>
+          </p:cNvPr>
+          <p:cNvSpPr>
+            <a:spLocks noGrp="1"/>
+          </p:cNvSpPr>
+          <p:nvPr>
+            <p:ph type="title"/>
+          </p:nvPr>
+        </p:nvSpPr>
+        <p:spPr/>
+        <p:txBody>
+          <a:bodyPr/>
+          <a:lstStyle/>
+          <a:p>
+            <a:r>
+              <a:rPr lang="en-US" dirty="0"/>
+              <a:t>Features contributing to PC1s in 3 baseline </a:t>
+            </a:r>
+            <a:r>
+              <a:rPr lang="en-US" dirty="0" err="1"/>
+              <a:t>irAE</a:t>
+            </a:r>
+            <a:r>
+              <a:rPr lang="en-US" dirty="0"/>
+              <a:t> comparisons</a:t>
+            </a:r>
+          </a:p>
+        </p:txBody>
+      </p:sp>
+    </p:spTree>
+    <p:extLst>
+      <p:ext uri="{BB962C8B-B14F-4D97-AF65-F5344CB8AC3E}">
+        <p14:creationId xmlns:p14="http://schemas.microsoft.com/office/powerpoint/2010/main" val="406132738"/>
       </p:ext>
     </p:extLst>
   </p:cSld>
